--- a/Documentation/Project Update.pptx
+++ b/Documentation/Project Update.pptx
@@ -5,22 +5,25 @@
     <p:sldMasterId id="2147483648" r:id="rId2"/>
   </p:sldMasterIdLst>
   <p:notesMasterIdLst>
-    <p:notesMasterId r:id="rId13"/>
+    <p:notesMasterId r:id="rId16"/>
   </p:notesMasterIdLst>
   <p:handoutMasterIdLst>
-    <p:handoutMasterId r:id="rId14"/>
+    <p:handoutMasterId r:id="rId17"/>
   </p:handoutMasterIdLst>
   <p:sldIdLst>
     <p:sldId id="256" r:id="rId3"/>
-    <p:sldId id="266" r:id="rId4"/>
-    <p:sldId id="267" r:id="rId5"/>
-    <p:sldId id="259" r:id="rId6"/>
-    <p:sldId id="261" r:id="rId7"/>
-    <p:sldId id="268" r:id="rId8"/>
-    <p:sldId id="269" r:id="rId9"/>
-    <p:sldId id="263" r:id="rId10"/>
-    <p:sldId id="264" r:id="rId11"/>
-    <p:sldId id="265" r:id="rId12"/>
+    <p:sldId id="272" r:id="rId4"/>
+    <p:sldId id="273" r:id="rId5"/>
+    <p:sldId id="266" r:id="rId6"/>
+    <p:sldId id="270" r:id="rId7"/>
+    <p:sldId id="274" r:id="rId8"/>
+    <p:sldId id="275" r:id="rId9"/>
+    <p:sldId id="276" r:id="rId10"/>
+    <p:sldId id="268" r:id="rId11"/>
+    <p:sldId id="269" r:id="rId12"/>
+    <p:sldId id="271" r:id="rId13"/>
+    <p:sldId id="277" r:id="rId14"/>
+    <p:sldId id="267" r:id="rId15"/>
   </p:sldIdLst>
   <p:sldSz cx="9144000" cy="6858000" type="screen4x3"/>
   <p:notesSz cx="6858000" cy="9144000"/>
@@ -1114,8 +1117,35 @@
               <a:t>List issues that cause the project to be falling behind </a:t>
             </a:r>
             <a:r>
+              <a:rPr lang="en-US" baseline="0" dirty="0" smtClean="0"/>
+              <a:t>schedule</a:t>
+            </a:r>
+          </a:p>
+          <a:p>
+            <a:pPr marL="228600" indent="-228600">
+              <a:buAutoNum type="arabicParenR"/>
+            </a:pPr>
+            <a:r>
+              <a:rPr lang="en-US" baseline="0" dirty="0" smtClean="0"/>
+              <a:t>A)limited FPGA </a:t>
+            </a:r>
+            <a:r>
               <a:rPr lang="en-US" baseline="0" dirty="0" err="1" smtClean="0"/>
-              <a:t>schedual</a:t>
+              <a:t>knowlage</a:t>
+            </a:r>
+            <a:endParaRPr lang="en-US" baseline="0" dirty="0" smtClean="0"/>
+          </a:p>
+          <a:p>
+            <a:pPr marL="228600" indent="-228600">
+              <a:buAutoNum type="arabicParenR"/>
+            </a:pPr>
+            <a:r>
+              <a:rPr lang="en-US" baseline="0" dirty="0" smtClean="0"/>
+              <a:t>B)Limited integrated systems </a:t>
+            </a:r>
+            <a:r>
+              <a:rPr lang="en-US" baseline="0" dirty="0" err="1" smtClean="0"/>
+              <a:t>knolage</a:t>
             </a:r>
             <a:endParaRPr lang="en-US" baseline="0" dirty="0" smtClean="0"/>
           </a:p>
@@ -1145,7 +1175,7 @@
             <a:fld id="{CEC76FE6-18FF-4904-A79F-D11B604C1BF0}" type="slidenum">
               <a:rPr lang="en-US" smtClean="0"/>
               <a:pPr/>
-              <a:t>2</a:t>
+              <a:t>4</a:t>
             </a:fld>
             <a:endParaRPr lang="en-US"/>
           </a:p>
@@ -1208,6 +1238,107 @@
           <a:bodyPr/>
           <a:lstStyle/>
           <a:p>
+            <a:r>
+              <a:rPr lang="en-US" dirty="0" smtClean="0"/>
+              <a:t>File convers data into mag phase adds noise and attenuates</a:t>
+            </a:r>
+            <a:r>
+              <a:rPr lang="en-US" baseline="0" dirty="0" smtClean="0"/>
+              <a:t> the signal,</a:t>
+            </a:r>
+          </a:p>
+          <a:p>
+            <a:r>
+              <a:rPr lang="en-US" baseline="0" dirty="0" smtClean="0"/>
+              <a:t>Converts back into float32</a:t>
+            </a:r>
+          </a:p>
+          <a:p>
+            <a:endParaRPr lang="en-US" dirty="0"/>
+          </a:p>
+        </p:txBody>
+      </p:sp>
+      <p:sp>
+        <p:nvSpPr>
+          <p:cNvPr id="4" name="Slide Number Placeholder 3"/>
+          <p:cNvSpPr>
+            <a:spLocks noGrp="1"/>
+          </p:cNvSpPr>
+          <p:nvPr>
+            <p:ph type="sldNum" sz="quarter" idx="10"/>
+          </p:nvPr>
+        </p:nvSpPr>
+        <p:spPr/>
+        <p:txBody>
+          <a:bodyPr/>
+          <a:lstStyle/>
+          <a:p>
+            <a:fld id="{CEC76FE6-18FF-4904-A79F-D11B604C1BF0}" type="slidenum">
+              <a:rPr lang="en-US" smtClean="0"/>
+              <a:pPr/>
+              <a:t>9</a:t>
+            </a:fld>
+            <a:endParaRPr lang="en-US"/>
+          </a:p>
+        </p:txBody>
+      </p:sp>
+    </p:spTree>
+    <p:extLst>
+      <p:ext uri="{BB962C8B-B14F-4D97-AF65-F5344CB8AC3E}">
+        <p14:creationId xmlns:p14="http://schemas.microsoft.com/office/powerpoint/2010/main" val="3036170545"/>
+      </p:ext>
+    </p:extLst>
+  </p:cSld>
+  <p:clrMapOvr>
+    <a:masterClrMapping/>
+  </p:clrMapOvr>
+</p:notes>
+</file>
+
+<file path=ppt/notesSlides/notesSlide3.xml><?xml version="1.0" encoding="utf-8"?>
+<p:notes xmlns:a="http://schemas.openxmlformats.org/drawingml/2006/main" xmlns:r="http://schemas.openxmlformats.org/officeDocument/2006/relationships" xmlns:p="http://schemas.openxmlformats.org/presentationml/2006/main">
+  <p:cSld>
+    <p:spTree>
+      <p:nvGrpSpPr>
+        <p:cNvPr id="1" name=""/>
+        <p:cNvGrpSpPr/>
+        <p:nvPr/>
+      </p:nvGrpSpPr>
+      <p:grpSpPr>
+        <a:xfrm>
+          <a:off x="0" y="0"/>
+          <a:ext cx="0" cy="0"/>
+          <a:chOff x="0" y="0"/>
+          <a:chExt cx="0" cy="0"/>
+        </a:xfrm>
+      </p:grpSpPr>
+      <p:sp>
+        <p:nvSpPr>
+          <p:cNvPr id="2" name="Slide Image Placeholder 1"/>
+          <p:cNvSpPr>
+            <a:spLocks noGrp="1" noRot="1" noChangeAspect="1"/>
+          </p:cNvSpPr>
+          <p:nvPr>
+            <p:ph type="sldImg"/>
+          </p:nvPr>
+        </p:nvSpPr>
+        <p:spPr/>
+      </p:sp>
+      <p:sp>
+        <p:nvSpPr>
+          <p:cNvPr id="3" name="Notes Placeholder 2"/>
+          <p:cNvSpPr>
+            <a:spLocks noGrp="1"/>
+          </p:cNvSpPr>
+          <p:nvPr>
+            <p:ph type="body" idx="1"/>
+          </p:nvPr>
+        </p:nvSpPr>
+        <p:spPr/>
+        <p:txBody>
+          <a:bodyPr/>
+          <a:lstStyle/>
+          <a:p>
             <a:pPr marL="228600" indent="-228600">
               <a:buAutoNum type="arabicParenR"/>
             </a:pPr>
@@ -1250,7 +1381,7 @@
             <a:fld id="{CEC76FE6-18FF-4904-A79F-D11B604C1BF0}" type="slidenum">
               <a:rPr lang="en-US" smtClean="0"/>
               <a:pPr/>
-              <a:t>3</a:t>
+              <a:t>13</a:t>
             </a:fld>
             <a:endParaRPr lang="en-US"/>
           </a:p>
@@ -4627,602 +4758,6 @@
       </p:grpSpPr>
       <p:sp>
         <p:nvSpPr>
-          <p:cNvPr id="26626" name="Rectangle 2"/>
-          <p:cNvSpPr>
-            <a:spLocks noGrp="1" noChangeArrowheads="1"/>
-          </p:cNvSpPr>
-          <p:nvPr>
-            <p:ph type="title"/>
-          </p:nvPr>
-        </p:nvSpPr>
-        <p:spPr/>
-        <p:txBody>
-          <a:bodyPr/>
-          <a:lstStyle/>
-          <a:p>
-            <a:r>
-              <a:rPr lang="en-US"/>
-              <a:t>Goals for Next Review</a:t>
-            </a:r>
-          </a:p>
-        </p:txBody>
-      </p:sp>
-      <p:sp>
-        <p:nvSpPr>
-          <p:cNvPr id="26627" name="Rectangle 3"/>
-          <p:cNvSpPr>
-            <a:spLocks noGrp="1" noChangeArrowheads="1"/>
-          </p:cNvSpPr>
-          <p:nvPr>
-            <p:ph type="body" idx="1"/>
-          </p:nvPr>
-        </p:nvSpPr>
-        <p:spPr/>
-        <p:txBody>
-          <a:bodyPr/>
-          <a:lstStyle/>
-          <a:p>
-            <a:r>
-              <a:rPr lang="en-US"/>
-              <a:t>Date of next status update</a:t>
-            </a:r>
-          </a:p>
-          <a:p>
-            <a:r>
-              <a:rPr lang="en-US"/>
-              <a:t>List goals for next review</a:t>
-            </a:r>
-          </a:p>
-          <a:p>
-            <a:pPr lvl="1"/>
-            <a:r>
-              <a:rPr lang="en-US"/>
-              <a:t>Specific items that will be done</a:t>
-            </a:r>
-          </a:p>
-          <a:p>
-            <a:pPr lvl="1"/>
-            <a:r>
-              <a:rPr lang="en-US"/>
-              <a:t>Issues that will be resolved</a:t>
-            </a:r>
-          </a:p>
-          <a:p>
-            <a:r>
-              <a:rPr lang="en-US"/>
-              <a:t>Make sure anyone involved in project understands action plan</a:t>
-            </a:r>
-          </a:p>
-        </p:txBody>
-      </p:sp>
-    </p:spTree>
-  </p:cSld>
-  <p:clrMapOvr>
-    <a:masterClrMapping/>
-  </p:clrMapOvr>
-  <p:timing>
-    <p:tnLst>
-      <p:par>
-        <p:cTn id="1" dur="indefinite" restart="never" nodeType="tmRoot"/>
-      </p:par>
-    </p:tnLst>
-  </p:timing>
-</p:sld>
-</file>
-
-<file path=ppt/slides/slide2.xml><?xml version="1.0" encoding="utf-8"?>
-<p:sld xmlns:a="http://schemas.openxmlformats.org/drawingml/2006/main" xmlns:r="http://schemas.openxmlformats.org/officeDocument/2006/relationships" xmlns:p="http://schemas.openxmlformats.org/presentationml/2006/main">
-  <p:cSld>
-    <p:spTree>
-      <p:nvGrpSpPr>
-        <p:cNvPr id="1" name=""/>
-        <p:cNvGrpSpPr/>
-        <p:nvPr/>
-      </p:nvGrpSpPr>
-      <p:grpSpPr>
-        <a:xfrm>
-          <a:off x="0" y="0"/>
-          <a:ext cx="0" cy="0"/>
-          <a:chOff x="0" y="0"/>
-          <a:chExt cx="0" cy="0"/>
-        </a:xfrm>
-      </p:grpSpPr>
-      <p:sp>
-        <p:nvSpPr>
-          <p:cNvPr id="2" name="Title 1"/>
-          <p:cNvSpPr>
-            <a:spLocks noGrp="1"/>
-          </p:cNvSpPr>
-          <p:nvPr>
-            <p:ph type="title"/>
-          </p:nvPr>
-        </p:nvSpPr>
-        <p:spPr/>
-        <p:txBody>
-          <a:bodyPr/>
-          <a:lstStyle/>
-          <a:p>
-            <a:r>
-              <a:rPr lang="en-US" dirty="0" smtClean="0"/>
-              <a:t>Project Schedule</a:t>
-            </a:r>
-            <a:endParaRPr lang="en-US" dirty="0"/>
-          </a:p>
-        </p:txBody>
-      </p:sp>
-      <p:pic>
-        <p:nvPicPr>
-          <p:cNvPr id="12" name="Content Placeholder 11"/>
-          <p:cNvPicPr>
-            <a:picLocks noGrp="1" noChangeAspect="1"/>
-          </p:cNvPicPr>
-          <p:nvPr>
-            <p:ph idx="1"/>
-          </p:nvPr>
-        </p:nvPicPr>
-        <p:blipFill>
-          <a:blip r:embed="rId3" cstate="print">
-            <a:extLst>
-              <a:ext uri="{28A0092B-C50C-407E-A947-70E740481C1C}">
-                <a14:useLocalDpi xmlns:a14="http://schemas.microsoft.com/office/drawing/2010/main" val="0"/>
-              </a:ext>
-            </a:extLst>
-          </a:blip>
-          <a:stretch>
-            <a:fillRect/>
-          </a:stretch>
-        </p:blipFill>
-        <p:spPr>
-          <a:xfrm>
-            <a:off x="2286000" y="2190122"/>
-            <a:ext cx="6248400" cy="3163555"/>
-          </a:xfrm>
-        </p:spPr>
-      </p:pic>
-    </p:spTree>
-    <p:extLst>
-      <p:ext uri="{BB962C8B-B14F-4D97-AF65-F5344CB8AC3E}">
-        <p14:creationId xmlns:p14="http://schemas.microsoft.com/office/powerpoint/2010/main" val="842550473"/>
-      </p:ext>
-    </p:extLst>
-  </p:cSld>
-  <p:clrMapOvr>
-    <a:masterClrMapping/>
-  </p:clrMapOvr>
-  <p:timing>
-    <p:tnLst>
-      <p:par>
-        <p:cTn id="1" dur="indefinite" restart="never" nodeType="tmRoot"/>
-      </p:par>
-    </p:tnLst>
-  </p:timing>
-</p:sld>
-</file>
-
-<file path=ppt/slides/slide3.xml><?xml version="1.0" encoding="utf-8"?>
-<p:sld xmlns:a="http://schemas.openxmlformats.org/drawingml/2006/main" xmlns:r="http://schemas.openxmlformats.org/officeDocument/2006/relationships" xmlns:p="http://schemas.openxmlformats.org/presentationml/2006/main">
-  <p:cSld>
-    <p:spTree>
-      <p:nvGrpSpPr>
-        <p:cNvPr id="1" name=""/>
-        <p:cNvGrpSpPr/>
-        <p:nvPr/>
-      </p:nvGrpSpPr>
-      <p:grpSpPr>
-        <a:xfrm>
-          <a:off x="0" y="0"/>
-          <a:ext cx="0" cy="0"/>
-          <a:chOff x="0" y="0"/>
-          <a:chExt cx="0" cy="0"/>
-        </a:xfrm>
-      </p:grpSpPr>
-      <p:sp>
-        <p:nvSpPr>
-          <p:cNvPr id="2" name="Title 1"/>
-          <p:cNvSpPr>
-            <a:spLocks noGrp="1"/>
-          </p:cNvSpPr>
-          <p:nvPr>
-            <p:ph type="title"/>
-          </p:nvPr>
-        </p:nvSpPr>
-        <p:spPr/>
-        <p:txBody>
-          <a:bodyPr/>
-          <a:lstStyle/>
-          <a:p>
-            <a:r>
-              <a:rPr lang="en-US" dirty="0" smtClean="0"/>
-              <a:t>Bill of Materials</a:t>
-            </a:r>
-            <a:endParaRPr lang="en-US" dirty="0"/>
-          </a:p>
-        </p:txBody>
-      </p:sp>
-      <p:pic>
-        <p:nvPicPr>
-          <p:cNvPr id="7" name="Content Placeholder 6"/>
-          <p:cNvPicPr>
-            <a:picLocks noGrp="1" noChangeAspect="1"/>
-          </p:cNvPicPr>
-          <p:nvPr>
-            <p:ph idx="1"/>
-          </p:nvPr>
-        </p:nvPicPr>
-        <p:blipFill>
-          <a:blip r:embed="rId3"/>
-          <a:stretch>
-            <a:fillRect/>
-          </a:stretch>
-        </p:blipFill>
-        <p:spPr>
-          <a:xfrm>
-            <a:off x="1981200" y="2895600"/>
-            <a:ext cx="6553200" cy="2819400"/>
-          </a:xfrm>
-          <a:prstGeom prst="rect">
-            <a:avLst/>
-          </a:prstGeom>
-        </p:spPr>
-      </p:pic>
-    </p:spTree>
-    <p:extLst>
-      <p:ext uri="{BB962C8B-B14F-4D97-AF65-F5344CB8AC3E}">
-        <p14:creationId xmlns:p14="http://schemas.microsoft.com/office/powerpoint/2010/main" val="1800496376"/>
-      </p:ext>
-    </p:extLst>
-  </p:cSld>
-  <p:clrMapOvr>
-    <a:masterClrMapping/>
-  </p:clrMapOvr>
-  <p:timing>
-    <p:tnLst>
-      <p:par>
-        <p:cTn id="1" dur="indefinite" restart="never" nodeType="tmRoot"/>
-      </p:par>
-    </p:tnLst>
-  </p:timing>
-</p:sld>
-</file>
-
-<file path=ppt/slides/slide4.xml><?xml version="1.0" encoding="utf-8"?>
-<p:sld xmlns:a="http://schemas.openxmlformats.org/drawingml/2006/main" xmlns:r="http://schemas.openxmlformats.org/officeDocument/2006/relationships" xmlns:p="http://schemas.openxmlformats.org/presentationml/2006/main">
-  <p:cSld>
-    <p:spTree>
-      <p:nvGrpSpPr>
-        <p:cNvPr id="1" name=""/>
-        <p:cNvGrpSpPr/>
-        <p:nvPr/>
-      </p:nvGrpSpPr>
-      <p:grpSpPr>
-        <a:xfrm>
-          <a:off x="0" y="0"/>
-          <a:ext cx="0" cy="0"/>
-          <a:chOff x="0" y="0"/>
-          <a:chExt cx="0" cy="0"/>
-        </a:xfrm>
-      </p:grpSpPr>
-      <p:sp>
-        <p:nvSpPr>
-          <p:cNvPr id="20482" name="Rectangle 2"/>
-          <p:cNvSpPr>
-            <a:spLocks noGrp="1" noChangeArrowheads="1"/>
-          </p:cNvSpPr>
-          <p:nvPr>
-            <p:ph type="title"/>
-          </p:nvPr>
-        </p:nvSpPr>
-        <p:spPr/>
-        <p:txBody>
-          <a:bodyPr/>
-          <a:lstStyle/>
-          <a:p>
-            <a:r>
-              <a:rPr lang="en-US"/>
-              <a:t>Attention Areas</a:t>
-            </a:r>
-          </a:p>
-        </p:txBody>
-      </p:sp>
-      <p:sp>
-        <p:nvSpPr>
-          <p:cNvPr id="20483" name="Rectangle 3"/>
-          <p:cNvSpPr>
-            <a:spLocks noGrp="1" noChangeArrowheads="1"/>
-          </p:cNvSpPr>
-          <p:nvPr>
-            <p:ph type="body" idx="1"/>
-          </p:nvPr>
-        </p:nvSpPr>
-        <p:spPr/>
-        <p:txBody>
-          <a:bodyPr/>
-          <a:lstStyle/>
-          <a:p>
-            <a:r>
-              <a:rPr lang="en-US"/>
-              <a:t>List delays and problems since last status update was given</a:t>
-            </a:r>
-          </a:p>
-          <a:p>
-            <a:pPr lvl="1"/>
-            <a:r>
-              <a:rPr lang="en-US"/>
-              <a:t>List corrective actions being taken</a:t>
-            </a:r>
-          </a:p>
-          <a:p>
-            <a:pPr lvl="1"/>
-            <a:r>
-              <a:rPr lang="en-US"/>
-              <a:t>Address schedule implications</a:t>
-            </a:r>
-          </a:p>
-          <a:p>
-            <a:r>
-              <a:rPr lang="en-US"/>
-              <a:t>Make sure you understand</a:t>
-            </a:r>
-          </a:p>
-          <a:p>
-            <a:pPr lvl="1"/>
-            <a:r>
-              <a:rPr lang="en-US"/>
-              <a:t>Issues that are causing delays or impending progress</a:t>
-            </a:r>
-          </a:p>
-          <a:p>
-            <a:pPr lvl="1"/>
-            <a:r>
-              <a:rPr lang="en-US"/>
-              <a:t>Why problem was not anticipated</a:t>
-            </a:r>
-          </a:p>
-          <a:p>
-            <a:pPr lvl="1"/>
-            <a:r>
-              <a:rPr lang="en-US"/>
-              <a:t>If customer will want to discuss issue with upper management</a:t>
-            </a:r>
-          </a:p>
-        </p:txBody>
-      </p:sp>
-    </p:spTree>
-  </p:cSld>
-  <p:clrMapOvr>
-    <a:masterClrMapping/>
-  </p:clrMapOvr>
-  <p:timing>
-    <p:tnLst>
-      <p:par>
-        <p:cTn id="1" dur="indefinite" restart="never" nodeType="tmRoot"/>
-      </p:par>
-    </p:tnLst>
-  </p:timing>
-</p:sld>
-</file>
-
-<file path=ppt/slides/slide5.xml><?xml version="1.0" encoding="utf-8"?>
-<p:sld xmlns:a="http://schemas.openxmlformats.org/drawingml/2006/main" xmlns:r="http://schemas.openxmlformats.org/officeDocument/2006/relationships" xmlns:p="http://schemas.openxmlformats.org/presentationml/2006/main">
-  <p:cSld>
-    <p:spTree>
-      <p:nvGrpSpPr>
-        <p:cNvPr id="1" name=""/>
-        <p:cNvGrpSpPr/>
-        <p:nvPr/>
-      </p:nvGrpSpPr>
-      <p:grpSpPr>
-        <a:xfrm>
-          <a:off x="0" y="0"/>
-          <a:ext cx="0" cy="0"/>
-          <a:chOff x="0" y="0"/>
-          <a:chExt cx="0" cy="0"/>
-        </a:xfrm>
-      </p:grpSpPr>
-      <p:sp>
-        <p:nvSpPr>
-          <p:cNvPr id="22530" name="Rectangle 2"/>
-          <p:cNvSpPr>
-            <a:spLocks noGrp="1" noChangeArrowheads="1"/>
-          </p:cNvSpPr>
-          <p:nvPr>
-            <p:ph type="title"/>
-          </p:nvPr>
-        </p:nvSpPr>
-        <p:spPr/>
-        <p:txBody>
-          <a:bodyPr/>
-          <a:lstStyle/>
-          <a:p>
-            <a:r>
-              <a:rPr lang="en-US"/>
-              <a:t>Deliveries</a:t>
-            </a:r>
-          </a:p>
-        </p:txBody>
-      </p:sp>
-      <p:sp>
-        <p:nvSpPr>
-          <p:cNvPr id="22531" name="Rectangle 3"/>
-          <p:cNvSpPr>
-            <a:spLocks noGrp="1" noChangeArrowheads="1"/>
-          </p:cNvSpPr>
-          <p:nvPr>
-            <p:ph type="body" idx="1"/>
-          </p:nvPr>
-        </p:nvSpPr>
-        <p:spPr/>
-        <p:txBody>
-          <a:bodyPr/>
-          <a:lstStyle/>
-          <a:p>
-            <a:r>
-              <a:rPr lang="en-US"/>
-              <a:t>List main critical deliverables</a:t>
-            </a:r>
-          </a:p>
-          <a:p>
-            <a:pPr lvl="1"/>
-            <a:r>
-              <a:rPr lang="en-US"/>
-              <a:t>Yours to client</a:t>
-            </a:r>
-          </a:p>
-          <a:p>
-            <a:pPr lvl="1"/>
-            <a:r>
-              <a:rPr lang="en-US"/>
-              <a:t>Yours to outside services</a:t>
-            </a:r>
-          </a:p>
-          <a:p>
-            <a:pPr lvl="1"/>
-            <a:r>
-              <a:rPr lang="en-US"/>
-              <a:t>Outside services to you</a:t>
-            </a:r>
-          </a:p>
-          <a:p>
-            <a:pPr lvl="1"/>
-            <a:r>
-              <a:rPr lang="en-US"/>
-              <a:t>Other departments to you</a:t>
-            </a:r>
-          </a:p>
-          <a:p>
-            <a:r>
-              <a:rPr lang="en-US"/>
-              <a:t>Understand your confidence rating to each deliverable</a:t>
-            </a:r>
-          </a:p>
-          <a:p>
-            <a:pPr lvl="1"/>
-            <a:r>
-              <a:rPr lang="en-US"/>
-              <a:t>Indicate confidence level on slides if appropriate</a:t>
-            </a:r>
-          </a:p>
-        </p:txBody>
-      </p:sp>
-    </p:spTree>
-  </p:cSld>
-  <p:clrMapOvr>
-    <a:masterClrMapping/>
-  </p:clrMapOvr>
-  <p:timing>
-    <p:tnLst>
-      <p:par>
-        <p:cTn id="1" dur="indefinite" restart="never" nodeType="tmRoot"/>
-      </p:par>
-    </p:tnLst>
-  </p:timing>
-</p:sld>
-</file>
-
-<file path=ppt/slides/slide6.xml><?xml version="1.0" encoding="utf-8"?>
-<p:sld xmlns:a="http://schemas.openxmlformats.org/drawingml/2006/main" xmlns:r="http://schemas.openxmlformats.org/officeDocument/2006/relationships" xmlns:p="http://schemas.openxmlformats.org/presentationml/2006/main">
-  <p:cSld>
-    <p:spTree>
-      <p:nvGrpSpPr>
-        <p:cNvPr id="1" name=""/>
-        <p:cNvGrpSpPr/>
-        <p:nvPr/>
-      </p:nvGrpSpPr>
-      <p:grpSpPr>
-        <a:xfrm>
-          <a:off x="0" y="0"/>
-          <a:ext cx="0" cy="0"/>
-          <a:chOff x="0" y="0"/>
-          <a:chExt cx="0" cy="0"/>
-        </a:xfrm>
-      </p:grpSpPr>
-      <p:sp>
-        <p:nvSpPr>
-          <p:cNvPr id="2" name="Title 1"/>
-          <p:cNvSpPr>
-            <a:spLocks noGrp="1"/>
-          </p:cNvSpPr>
-          <p:nvPr>
-            <p:ph type="title"/>
-          </p:nvPr>
-        </p:nvSpPr>
-        <p:spPr/>
-        <p:txBody>
-          <a:bodyPr/>
-          <a:lstStyle/>
-          <a:p>
-            <a:r>
-              <a:rPr lang="en-US" dirty="0" smtClean="0"/>
-              <a:t>Attenuator Program</a:t>
-            </a:r>
-            <a:endParaRPr lang="en-US" dirty="0"/>
-          </a:p>
-        </p:txBody>
-      </p:sp>
-      <p:pic>
-        <p:nvPicPr>
-          <p:cNvPr id="5" name="Content Placeholder 4"/>
-          <p:cNvPicPr>
-            <a:picLocks noGrp="1" noChangeAspect="1"/>
-          </p:cNvPicPr>
-          <p:nvPr>
-            <p:ph idx="1"/>
-          </p:nvPr>
-        </p:nvPicPr>
-        <p:blipFill rotWithShape="1">
-          <a:blip r:embed="rId2"/>
-          <a:srcRect l="3087" t="11517" r="59185" b="8876"/>
-          <a:stretch/>
-        </p:blipFill>
-        <p:spPr>
-          <a:xfrm>
-            <a:off x="2743200" y="1524000"/>
-            <a:ext cx="5029200" cy="5266764"/>
-          </a:xfrm>
-          <a:prstGeom prst="rect">
-            <a:avLst/>
-          </a:prstGeom>
-        </p:spPr>
-      </p:pic>
-    </p:spTree>
-    <p:extLst>
-      <p:ext uri="{BB962C8B-B14F-4D97-AF65-F5344CB8AC3E}">
-        <p14:creationId xmlns:p14="http://schemas.microsoft.com/office/powerpoint/2010/main" val="3488417488"/>
-      </p:ext>
-    </p:extLst>
-  </p:cSld>
-  <p:clrMapOvr>
-    <a:masterClrMapping/>
-  </p:clrMapOvr>
-  <p:timing>
-    <p:tnLst>
-      <p:par>
-        <p:cTn id="1" dur="indefinite" restart="never" nodeType="tmRoot"/>
-      </p:par>
-    </p:tnLst>
-  </p:timing>
-</p:sld>
-</file>
-
-<file path=ppt/slides/slide7.xml><?xml version="1.0" encoding="utf-8"?>
-<p:sld xmlns:a="http://schemas.openxmlformats.org/drawingml/2006/main" xmlns:r="http://schemas.openxmlformats.org/officeDocument/2006/relationships" xmlns:p="http://schemas.openxmlformats.org/presentationml/2006/main">
-  <p:cSld>
-    <p:spTree>
-      <p:nvGrpSpPr>
-        <p:cNvPr id="1" name=""/>
-        <p:cNvGrpSpPr/>
-        <p:nvPr/>
-      </p:nvGrpSpPr>
-      <p:grpSpPr>
-        <a:xfrm>
-          <a:off x="0" y="0"/>
-          <a:ext cx="0" cy="0"/>
-          <a:chOff x="0" y="0"/>
-          <a:chExt cx="0" cy="0"/>
-        </a:xfrm>
-      </p:grpSpPr>
-      <p:sp>
-        <p:nvSpPr>
           <p:cNvPr id="9" name="Title 8"/>
           <p:cNvSpPr>
             <a:spLocks noGrp="1"/>
@@ -5368,6 +4903,1174 @@
 </p:sld>
 </file>
 
+<file path=ppt/slides/slide11.xml><?xml version="1.0" encoding="utf-8"?>
+<p:sld xmlns:a="http://schemas.openxmlformats.org/drawingml/2006/main" xmlns:r="http://schemas.openxmlformats.org/officeDocument/2006/relationships" xmlns:p="http://schemas.openxmlformats.org/presentationml/2006/main">
+  <p:cSld>
+    <p:spTree>
+      <p:nvGrpSpPr>
+        <p:cNvPr id="1" name=""/>
+        <p:cNvGrpSpPr/>
+        <p:nvPr/>
+      </p:nvGrpSpPr>
+      <p:grpSpPr>
+        <a:xfrm>
+          <a:off x="0" y="0"/>
+          <a:ext cx="0" cy="0"/>
+          <a:chOff x="0" y="0"/>
+          <a:chExt cx="0" cy="0"/>
+        </a:xfrm>
+      </p:grpSpPr>
+      <p:sp>
+        <p:nvSpPr>
+          <p:cNvPr id="2" name="Title 1"/>
+          <p:cNvSpPr>
+            <a:spLocks noGrp="1"/>
+          </p:cNvSpPr>
+          <p:nvPr>
+            <p:ph type="title"/>
+          </p:nvPr>
+        </p:nvSpPr>
+        <p:spPr/>
+        <p:txBody>
+          <a:bodyPr/>
+          <a:lstStyle/>
+          <a:p>
+            <a:r>
+              <a:rPr lang="en-US" dirty="0" smtClean="0"/>
+              <a:t>GPS Jammer Detector</a:t>
+            </a:r>
+            <a:endParaRPr lang="en-US" dirty="0"/>
+          </a:p>
+        </p:txBody>
+      </p:sp>
+      <p:pic>
+        <p:nvPicPr>
+          <p:cNvPr id="1028" name="Picture 4"/>
+          <p:cNvPicPr>
+            <a:picLocks noGrp="1" noChangeAspect="1" noChangeArrowheads="1"/>
+          </p:cNvPicPr>
+          <p:nvPr>
+            <p:ph idx="1"/>
+          </p:nvPr>
+        </p:nvPicPr>
+        <p:blipFill>
+          <a:blip r:embed="rId2">
+            <a:extLst>
+              <a:ext uri="{28A0092B-C50C-407E-A947-70E740481C1C}">
+                <a14:useLocalDpi xmlns:a14="http://schemas.microsoft.com/office/drawing/2010/main" val="0"/>
+              </a:ext>
+            </a:extLst>
+          </a:blip>
+          <a:srcRect/>
+          <a:stretch>
+            <a:fillRect/>
+          </a:stretch>
+        </p:blipFill>
+        <p:spPr bwMode="auto">
+          <a:xfrm>
+            <a:off x="2820900" y="1371600"/>
+            <a:ext cx="5178600" cy="4800600"/>
+          </a:xfrm>
+          <a:prstGeom prst="rect">
+            <a:avLst/>
+          </a:prstGeom>
+          <a:noFill/>
+          <a:ln>
+            <a:noFill/>
+          </a:ln>
+          <a:extLst>
+            <a:ext uri="{909E8E84-426E-40DD-AFC4-6F175D3DCCD1}">
+              <a14:hiddenFill xmlns:a14="http://schemas.microsoft.com/office/drawing/2010/main">
+                <a:solidFill>
+                  <a:schemeClr val="accent1"/>
+                </a:solidFill>
+              </a14:hiddenFill>
+            </a:ext>
+            <a:ext uri="{91240B29-F687-4F45-9708-019B960494DF}">
+              <a14:hiddenLine xmlns:a14="http://schemas.microsoft.com/office/drawing/2010/main" w="9525">
+                <a:solidFill>
+                  <a:schemeClr val="tx1"/>
+                </a:solidFill>
+                <a:miter lim="800000"/>
+                <a:headEnd/>
+                <a:tailEnd/>
+              </a14:hiddenLine>
+            </a:ext>
+          </a:extLst>
+        </p:spPr>
+      </p:pic>
+    </p:spTree>
+    <p:extLst>
+      <p:ext uri="{BB962C8B-B14F-4D97-AF65-F5344CB8AC3E}">
+        <p14:creationId xmlns:p14="http://schemas.microsoft.com/office/powerpoint/2010/main" val="3232170325"/>
+      </p:ext>
+    </p:extLst>
+  </p:cSld>
+  <p:clrMapOvr>
+    <a:masterClrMapping/>
+  </p:clrMapOvr>
+  <p:timing>
+    <p:tnLst>
+      <p:par>
+        <p:cTn id="1" dur="indefinite" restart="never" nodeType="tmRoot"/>
+      </p:par>
+    </p:tnLst>
+  </p:timing>
+</p:sld>
+</file>
+
+<file path=ppt/slides/slide12.xml><?xml version="1.0" encoding="utf-8"?>
+<p:sld xmlns:a="http://schemas.openxmlformats.org/drawingml/2006/main" xmlns:r="http://schemas.openxmlformats.org/officeDocument/2006/relationships" xmlns:p="http://schemas.openxmlformats.org/presentationml/2006/main">
+  <p:cSld>
+    <p:spTree>
+      <p:nvGrpSpPr>
+        <p:cNvPr id="1" name=""/>
+        <p:cNvGrpSpPr/>
+        <p:nvPr/>
+      </p:nvGrpSpPr>
+      <p:grpSpPr>
+        <a:xfrm>
+          <a:off x="0" y="0"/>
+          <a:ext cx="0" cy="0"/>
+          <a:chOff x="0" y="0"/>
+          <a:chExt cx="0" cy="0"/>
+        </a:xfrm>
+      </p:grpSpPr>
+      <p:sp>
+        <p:nvSpPr>
+          <p:cNvPr id="2" name="Title 1"/>
+          <p:cNvSpPr>
+            <a:spLocks noGrp="1"/>
+          </p:cNvSpPr>
+          <p:nvPr>
+            <p:ph type="title"/>
+          </p:nvPr>
+        </p:nvSpPr>
+        <p:spPr/>
+        <p:txBody>
+          <a:bodyPr/>
+          <a:lstStyle/>
+          <a:p>
+            <a:r>
+              <a:rPr lang="en-US" dirty="0" smtClean="0"/>
+              <a:t>FPGA Hardware Setup</a:t>
+            </a:r>
+            <a:endParaRPr lang="en-US" dirty="0"/>
+          </a:p>
+        </p:txBody>
+      </p:sp>
+      <p:pic>
+        <p:nvPicPr>
+          <p:cNvPr id="4" name="Content Placeholder 3" descr="Capture.PNG"/>
+          <p:cNvPicPr>
+            <a:picLocks noGrp="1" noChangeAspect="1"/>
+          </p:cNvPicPr>
+          <p:nvPr>
+            <p:ph idx="1"/>
+          </p:nvPr>
+        </p:nvPicPr>
+        <p:blipFill>
+          <a:blip r:embed="rId2" cstate="print">
+            <a:extLst>
+              <a:ext uri="{28A0092B-C50C-407E-A947-70E740481C1C}">
+                <a14:useLocalDpi xmlns:a14="http://schemas.microsoft.com/office/drawing/2010/main" val="0"/>
+              </a:ext>
+            </a:extLst>
+          </a:blip>
+          <a:srcRect t="-37341" b="-37341"/>
+          <a:stretch>
+            <a:fillRect/>
+          </a:stretch>
+        </p:blipFill>
+        <p:spPr/>
+      </p:pic>
+    </p:spTree>
+    <p:extLst>
+      <p:ext uri="{BB962C8B-B14F-4D97-AF65-F5344CB8AC3E}">
+        <p14:creationId xmlns:p14="http://schemas.microsoft.com/office/powerpoint/2010/main" val="1366038409"/>
+      </p:ext>
+    </p:extLst>
+  </p:cSld>
+  <p:clrMapOvr>
+    <a:masterClrMapping/>
+  </p:clrMapOvr>
+  <p:timing>
+    <p:tnLst>
+      <p:par>
+        <p:cTn id="1" dur="indefinite" restart="never" nodeType="tmRoot"/>
+      </p:par>
+    </p:tnLst>
+  </p:timing>
+</p:sld>
+</file>
+
+<file path=ppt/slides/slide13.xml><?xml version="1.0" encoding="utf-8"?>
+<p:sld xmlns:a="http://schemas.openxmlformats.org/drawingml/2006/main" xmlns:r="http://schemas.openxmlformats.org/officeDocument/2006/relationships" xmlns:p="http://schemas.openxmlformats.org/presentationml/2006/main">
+  <p:cSld>
+    <p:spTree>
+      <p:nvGrpSpPr>
+        <p:cNvPr id="1" name=""/>
+        <p:cNvGrpSpPr/>
+        <p:nvPr/>
+      </p:nvGrpSpPr>
+      <p:grpSpPr>
+        <a:xfrm>
+          <a:off x="0" y="0"/>
+          <a:ext cx="0" cy="0"/>
+          <a:chOff x="0" y="0"/>
+          <a:chExt cx="0" cy="0"/>
+        </a:xfrm>
+      </p:grpSpPr>
+      <p:sp>
+        <p:nvSpPr>
+          <p:cNvPr id="2" name="Title 1"/>
+          <p:cNvSpPr>
+            <a:spLocks noGrp="1"/>
+          </p:cNvSpPr>
+          <p:nvPr>
+            <p:ph type="title"/>
+          </p:nvPr>
+        </p:nvSpPr>
+        <p:spPr/>
+        <p:txBody>
+          <a:bodyPr/>
+          <a:lstStyle/>
+          <a:p>
+            <a:r>
+              <a:rPr lang="en-US" dirty="0" smtClean="0"/>
+              <a:t>Bill of Materials</a:t>
+            </a:r>
+            <a:endParaRPr lang="en-US" dirty="0"/>
+          </a:p>
+        </p:txBody>
+      </p:sp>
+      <p:pic>
+        <p:nvPicPr>
+          <p:cNvPr id="7" name="Content Placeholder 6"/>
+          <p:cNvPicPr>
+            <a:picLocks noGrp="1" noChangeAspect="1"/>
+          </p:cNvPicPr>
+          <p:nvPr>
+            <p:ph idx="1"/>
+          </p:nvPr>
+        </p:nvPicPr>
+        <p:blipFill>
+          <a:blip r:embed="rId3"/>
+          <a:stretch>
+            <a:fillRect/>
+          </a:stretch>
+        </p:blipFill>
+        <p:spPr>
+          <a:xfrm>
+            <a:off x="1981200" y="2895600"/>
+            <a:ext cx="6553200" cy="2819400"/>
+          </a:xfrm>
+          <a:prstGeom prst="rect">
+            <a:avLst/>
+          </a:prstGeom>
+        </p:spPr>
+      </p:pic>
+    </p:spTree>
+    <p:extLst>
+      <p:ext uri="{BB962C8B-B14F-4D97-AF65-F5344CB8AC3E}">
+        <p14:creationId xmlns:p14="http://schemas.microsoft.com/office/powerpoint/2010/main" val="1800496376"/>
+      </p:ext>
+    </p:extLst>
+  </p:cSld>
+  <p:clrMapOvr>
+    <a:masterClrMapping/>
+  </p:clrMapOvr>
+  <p:timing>
+    <p:tnLst>
+      <p:par>
+        <p:cTn id="1" dur="indefinite" restart="never" nodeType="tmRoot"/>
+      </p:par>
+    </p:tnLst>
+  </p:timing>
+</p:sld>
+</file>
+
+<file path=ppt/slides/slide2.xml><?xml version="1.0" encoding="utf-8"?>
+<p:sld xmlns:a="http://schemas.openxmlformats.org/drawingml/2006/main" xmlns:r="http://schemas.openxmlformats.org/officeDocument/2006/relationships" xmlns:p="http://schemas.openxmlformats.org/presentationml/2006/main">
+  <p:cSld>
+    <p:spTree>
+      <p:nvGrpSpPr>
+        <p:cNvPr id="1" name=""/>
+        <p:cNvGrpSpPr/>
+        <p:nvPr/>
+      </p:nvGrpSpPr>
+      <p:grpSpPr>
+        <a:xfrm>
+          <a:off x="0" y="0"/>
+          <a:ext cx="0" cy="0"/>
+          <a:chOff x="0" y="0"/>
+          <a:chExt cx="0" cy="0"/>
+        </a:xfrm>
+      </p:grpSpPr>
+      <p:sp>
+        <p:nvSpPr>
+          <p:cNvPr id="2" name="Title 1"/>
+          <p:cNvSpPr>
+            <a:spLocks noGrp="1"/>
+          </p:cNvSpPr>
+          <p:nvPr>
+            <p:ph type="title"/>
+          </p:nvPr>
+        </p:nvSpPr>
+        <p:spPr/>
+        <p:txBody>
+          <a:bodyPr/>
+          <a:lstStyle/>
+          <a:p>
+            <a:r>
+              <a:rPr lang="en-US" dirty="0" smtClean="0"/>
+              <a:t>Marketing Requirements</a:t>
+            </a:r>
+            <a:endParaRPr lang="en-US" dirty="0"/>
+          </a:p>
+        </p:txBody>
+      </p:sp>
+      <p:sp>
+        <p:nvSpPr>
+          <p:cNvPr id="3" name="Content Placeholder 2"/>
+          <p:cNvSpPr>
+            <a:spLocks noGrp="1"/>
+          </p:cNvSpPr>
+          <p:nvPr>
+            <p:ph idx="1"/>
+          </p:nvPr>
+        </p:nvSpPr>
+        <p:spPr/>
+        <p:txBody>
+          <a:bodyPr/>
+          <a:lstStyle/>
+          <a:p>
+            <a:r>
+              <a:rPr lang="en-US" dirty="0" smtClean="0"/>
+              <a:t>Receive I/Q data</a:t>
+            </a:r>
+          </a:p>
+          <a:p>
+            <a:r>
+              <a:rPr lang="en-US" dirty="0" smtClean="0"/>
+              <a:t>Determine if a civilian GPS jamming signal is present</a:t>
+            </a:r>
+          </a:p>
+          <a:p>
+            <a:r>
+              <a:rPr lang="en-US" dirty="0" smtClean="0"/>
+              <a:t>Notify the user that a jammer has been detected</a:t>
+            </a:r>
+          </a:p>
+          <a:p>
+            <a:pPr marL="0" indent="0">
+              <a:buNone/>
+            </a:pPr>
+            <a:endParaRPr lang="en-US" dirty="0"/>
+          </a:p>
+        </p:txBody>
+      </p:sp>
+    </p:spTree>
+    <p:extLst>
+      <p:ext uri="{BB962C8B-B14F-4D97-AF65-F5344CB8AC3E}">
+        <p14:creationId xmlns:p14="http://schemas.microsoft.com/office/powerpoint/2010/main" val="88532433"/>
+      </p:ext>
+    </p:extLst>
+  </p:cSld>
+  <p:clrMapOvr>
+    <a:masterClrMapping/>
+  </p:clrMapOvr>
+  <p:timing>
+    <p:tnLst>
+      <p:par>
+        <p:cTn id="1" dur="indefinite" restart="never" nodeType="tmRoot"/>
+      </p:par>
+    </p:tnLst>
+  </p:timing>
+</p:sld>
+</file>
+
+<file path=ppt/slides/slide3.xml><?xml version="1.0" encoding="utf-8"?>
+<p:sld xmlns:a="http://schemas.openxmlformats.org/drawingml/2006/main" xmlns:r="http://schemas.openxmlformats.org/officeDocument/2006/relationships" xmlns:p="http://schemas.openxmlformats.org/presentationml/2006/main">
+  <p:cSld>
+    <p:spTree>
+      <p:nvGrpSpPr>
+        <p:cNvPr id="1" name=""/>
+        <p:cNvGrpSpPr/>
+        <p:nvPr/>
+      </p:nvGrpSpPr>
+      <p:grpSpPr>
+        <a:xfrm>
+          <a:off x="0" y="0"/>
+          <a:ext cx="0" cy="0"/>
+          <a:chOff x="0" y="0"/>
+          <a:chExt cx="0" cy="0"/>
+        </a:xfrm>
+      </p:grpSpPr>
+      <p:sp>
+        <p:nvSpPr>
+          <p:cNvPr id="2" name="Title 1"/>
+          <p:cNvSpPr>
+            <a:spLocks noGrp="1"/>
+          </p:cNvSpPr>
+          <p:nvPr>
+            <p:ph type="title"/>
+          </p:nvPr>
+        </p:nvSpPr>
+        <p:spPr/>
+        <p:txBody>
+          <a:bodyPr/>
+          <a:lstStyle/>
+          <a:p>
+            <a:r>
+              <a:rPr lang="en-US" dirty="0" smtClean="0"/>
+              <a:t>Project Deliverables</a:t>
+            </a:r>
+            <a:endParaRPr lang="en-US" dirty="0"/>
+          </a:p>
+        </p:txBody>
+      </p:sp>
+      <p:sp>
+        <p:nvSpPr>
+          <p:cNvPr id="3" name="Content Placeholder 2"/>
+          <p:cNvSpPr>
+            <a:spLocks noGrp="1"/>
+          </p:cNvSpPr>
+          <p:nvPr>
+            <p:ph idx="1"/>
+          </p:nvPr>
+        </p:nvSpPr>
+        <p:spPr/>
+        <p:txBody>
+          <a:bodyPr/>
+          <a:lstStyle/>
+          <a:p>
+            <a:r>
+              <a:rPr lang="en-US" dirty="0" smtClean="0"/>
+              <a:t>GPS jammer detection program that can detect one method of jamming</a:t>
+            </a:r>
+          </a:p>
+          <a:p>
+            <a:r>
+              <a:rPr lang="en-US" dirty="0" smtClean="0"/>
+              <a:t>source code</a:t>
+            </a:r>
+          </a:p>
+          <a:p>
+            <a:r>
+              <a:rPr lang="en-US" dirty="0" smtClean="0"/>
+              <a:t>Test bench</a:t>
+            </a:r>
+          </a:p>
+          <a:p>
+            <a:endParaRPr lang="en-US" dirty="0"/>
+          </a:p>
+        </p:txBody>
+      </p:sp>
+    </p:spTree>
+    <p:extLst>
+      <p:ext uri="{BB962C8B-B14F-4D97-AF65-F5344CB8AC3E}">
+        <p14:creationId xmlns:p14="http://schemas.microsoft.com/office/powerpoint/2010/main" val="3981383353"/>
+      </p:ext>
+    </p:extLst>
+  </p:cSld>
+  <p:clrMapOvr>
+    <a:masterClrMapping/>
+  </p:clrMapOvr>
+  <p:timing>
+    <p:tnLst>
+      <p:par>
+        <p:cTn id="1" dur="indefinite" restart="never" nodeType="tmRoot"/>
+      </p:par>
+    </p:tnLst>
+  </p:timing>
+</p:sld>
+</file>
+
+<file path=ppt/slides/slide4.xml><?xml version="1.0" encoding="utf-8"?>
+<p:sld xmlns:a="http://schemas.openxmlformats.org/drawingml/2006/main" xmlns:r="http://schemas.openxmlformats.org/officeDocument/2006/relationships" xmlns:p="http://schemas.openxmlformats.org/presentationml/2006/main">
+  <p:cSld>
+    <p:spTree>
+      <p:nvGrpSpPr>
+        <p:cNvPr id="1" name=""/>
+        <p:cNvGrpSpPr/>
+        <p:nvPr/>
+      </p:nvGrpSpPr>
+      <p:grpSpPr>
+        <a:xfrm>
+          <a:off x="0" y="0"/>
+          <a:ext cx="0" cy="0"/>
+          <a:chOff x="0" y="0"/>
+          <a:chExt cx="0" cy="0"/>
+        </a:xfrm>
+      </p:grpSpPr>
+      <p:sp>
+        <p:nvSpPr>
+          <p:cNvPr id="2" name="Title 1"/>
+          <p:cNvSpPr>
+            <a:spLocks noGrp="1"/>
+          </p:cNvSpPr>
+          <p:nvPr>
+            <p:ph type="title"/>
+          </p:nvPr>
+        </p:nvSpPr>
+        <p:spPr/>
+        <p:txBody>
+          <a:bodyPr/>
+          <a:lstStyle/>
+          <a:p>
+            <a:r>
+              <a:rPr lang="en-US" dirty="0" smtClean="0"/>
+              <a:t>Project Schedule</a:t>
+            </a:r>
+            <a:endParaRPr lang="en-US" dirty="0"/>
+          </a:p>
+        </p:txBody>
+      </p:sp>
+      <p:sp>
+        <p:nvSpPr>
+          <p:cNvPr id="3" name="Content Placeholder 2"/>
+          <p:cNvSpPr>
+            <a:spLocks noGrp="1"/>
+          </p:cNvSpPr>
+          <p:nvPr>
+            <p:ph idx="1"/>
+          </p:nvPr>
+        </p:nvSpPr>
+        <p:spPr/>
+        <p:txBody>
+          <a:bodyPr/>
+          <a:lstStyle/>
+          <a:p>
+            <a:r>
+              <a:rPr lang="en-US" dirty="0" smtClean="0"/>
+              <a:t>Design requirements (Done)</a:t>
+            </a:r>
+          </a:p>
+          <a:p>
+            <a:r>
+              <a:rPr lang="en-US" dirty="0" smtClean="0"/>
+              <a:t>Gantt Chart (Done)</a:t>
+            </a:r>
+          </a:p>
+          <a:p>
+            <a:r>
+              <a:rPr lang="en-US" dirty="0" smtClean="0"/>
+              <a:t>Software Design (In Progress)</a:t>
+            </a:r>
+          </a:p>
+          <a:p>
+            <a:r>
+              <a:rPr lang="en-US" dirty="0" smtClean="0"/>
+              <a:t>Modular Testing (In Progress)</a:t>
+            </a:r>
+          </a:p>
+          <a:p>
+            <a:r>
+              <a:rPr lang="en-US" dirty="0" smtClean="0"/>
+              <a:t>Test Plan (In Progress)</a:t>
+            </a:r>
+          </a:p>
+          <a:p>
+            <a:endParaRPr lang="en-US" dirty="0"/>
+          </a:p>
+        </p:txBody>
+      </p:sp>
+    </p:spTree>
+    <p:extLst>
+      <p:ext uri="{BB962C8B-B14F-4D97-AF65-F5344CB8AC3E}">
+        <p14:creationId xmlns:p14="http://schemas.microsoft.com/office/powerpoint/2010/main" val="842550473"/>
+      </p:ext>
+    </p:extLst>
+  </p:cSld>
+  <p:clrMapOvr>
+    <a:masterClrMapping/>
+  </p:clrMapOvr>
+  <p:timing>
+    <p:tnLst>
+      <p:par>
+        <p:cTn id="1" dur="indefinite" restart="never" nodeType="tmRoot"/>
+      </p:par>
+    </p:tnLst>
+  </p:timing>
+</p:sld>
+</file>
+
+<file path=ppt/slides/slide5.xml><?xml version="1.0" encoding="utf-8"?>
+<p:sld xmlns:a="http://schemas.openxmlformats.org/drawingml/2006/main" xmlns:r="http://schemas.openxmlformats.org/officeDocument/2006/relationships" xmlns:p="http://schemas.openxmlformats.org/presentationml/2006/main">
+  <p:cSld>
+    <p:spTree>
+      <p:nvGrpSpPr>
+        <p:cNvPr id="1" name=""/>
+        <p:cNvGrpSpPr/>
+        <p:nvPr/>
+      </p:nvGrpSpPr>
+      <p:grpSpPr>
+        <a:xfrm>
+          <a:off x="0" y="0"/>
+          <a:ext cx="0" cy="0"/>
+          <a:chOff x="0" y="0"/>
+          <a:chExt cx="0" cy="0"/>
+        </a:xfrm>
+      </p:grpSpPr>
+      <p:sp>
+        <p:nvSpPr>
+          <p:cNvPr id="2" name="Title 1"/>
+          <p:cNvSpPr>
+            <a:spLocks noGrp="1"/>
+          </p:cNvSpPr>
+          <p:nvPr>
+            <p:ph type="title"/>
+          </p:nvPr>
+        </p:nvSpPr>
+        <p:spPr/>
+        <p:txBody>
+          <a:bodyPr/>
+          <a:lstStyle/>
+          <a:p>
+            <a:r>
+              <a:rPr lang="en-US" dirty="0"/>
+              <a:t>Definition:</a:t>
+            </a:r>
+          </a:p>
+        </p:txBody>
+      </p:sp>
+      <p:sp>
+        <p:nvSpPr>
+          <p:cNvPr id="3" name="Content Placeholder 2"/>
+          <p:cNvSpPr>
+            <a:spLocks noGrp="1"/>
+          </p:cNvSpPr>
+          <p:nvPr>
+            <p:ph idx="1"/>
+          </p:nvPr>
+        </p:nvSpPr>
+        <p:spPr/>
+        <p:txBody>
+          <a:bodyPr/>
+          <a:lstStyle/>
+          <a:p>
+            <a:pPr marL="0" marR="0">
+              <a:lnSpc>
+                <a:spcPct val="107000"/>
+              </a:lnSpc>
+              <a:spcBef>
+                <a:spcPts val="0"/>
+              </a:spcBef>
+              <a:spcAft>
+                <a:spcPts val="800"/>
+              </a:spcAft>
+            </a:pPr>
+            <a:r>
+              <a:rPr lang="en-US" sz="1800" b="1" dirty="0">
+                <a:latin typeface="Times New Roman"/>
+                <a:ea typeface="Calibri"/>
+                <a:cs typeface="Times New Roman"/>
+              </a:rPr>
+              <a:t>Jamming Signals:</a:t>
+            </a:r>
+            <a:r>
+              <a:rPr lang="en-US" sz="1800" dirty="0">
+                <a:latin typeface="Times New Roman"/>
+                <a:ea typeface="Calibri"/>
+                <a:cs typeface="Times New Roman"/>
+              </a:rPr>
+              <a:t> signals are continuous presenting </a:t>
+            </a:r>
+            <a:r>
+              <a:rPr lang="en-US" sz="1800" dirty="0" smtClean="0">
+                <a:latin typeface="Times New Roman"/>
+                <a:ea typeface="Calibri"/>
+                <a:cs typeface="Times New Roman"/>
+              </a:rPr>
+              <a:t>more </a:t>
+            </a:r>
+            <a:r>
+              <a:rPr lang="en-US" sz="1800" dirty="0">
+                <a:latin typeface="Times New Roman"/>
+                <a:ea typeface="Calibri"/>
+                <a:cs typeface="Times New Roman"/>
+              </a:rPr>
+              <a:t>than on second and with transmitted power is greater than -60dBm to be an effective jamming signals.</a:t>
+            </a:r>
+            <a:endParaRPr lang="en-US" sz="1800" dirty="0">
+              <a:latin typeface="Calibri"/>
+              <a:ea typeface="Calibri"/>
+              <a:cs typeface="Times New Roman"/>
+            </a:endParaRPr>
+          </a:p>
+          <a:p>
+            <a:pPr marL="0" marR="0">
+              <a:lnSpc>
+                <a:spcPct val="107000"/>
+              </a:lnSpc>
+              <a:spcBef>
+                <a:spcPts val="0"/>
+              </a:spcBef>
+              <a:spcAft>
+                <a:spcPts val="800"/>
+              </a:spcAft>
+            </a:pPr>
+            <a:r>
+              <a:rPr lang="en-US" sz="1800" b="1" dirty="0">
+                <a:latin typeface="Times New Roman"/>
+                <a:ea typeface="Calibri"/>
+                <a:cs typeface="Times New Roman"/>
+              </a:rPr>
+              <a:t>Chirp Signal:</a:t>
+            </a:r>
+            <a:r>
+              <a:rPr lang="en-US" sz="1800" dirty="0">
+                <a:latin typeface="Times New Roman"/>
+                <a:ea typeface="Calibri"/>
+                <a:cs typeface="Times New Roman"/>
+              </a:rPr>
+              <a:t>  A chirp is a signal in which the frequency increases ('up-chirp') or decreases ('down-chirp') with time and </a:t>
+            </a:r>
+            <a:r>
+              <a:rPr lang="en-US" sz="1800" dirty="0" smtClean="0">
+                <a:latin typeface="Times New Roman"/>
+                <a:ea typeface="Calibri"/>
+                <a:cs typeface="Times New Roman"/>
+              </a:rPr>
+              <a:t>repeats </a:t>
+            </a:r>
+            <a:r>
+              <a:rPr lang="en-US" sz="1800" dirty="0">
+                <a:latin typeface="Times New Roman"/>
+                <a:ea typeface="Calibri"/>
+                <a:cs typeface="Times New Roman"/>
+              </a:rPr>
+              <a:t>periodically.</a:t>
+            </a:r>
+            <a:endParaRPr lang="en-US" sz="1800" dirty="0">
+              <a:latin typeface="Calibri"/>
+              <a:ea typeface="Calibri"/>
+              <a:cs typeface="Times New Roman"/>
+            </a:endParaRPr>
+          </a:p>
+          <a:p>
+            <a:pPr marL="0" marR="0">
+              <a:lnSpc>
+                <a:spcPct val="107000"/>
+              </a:lnSpc>
+              <a:spcBef>
+                <a:spcPts val="0"/>
+              </a:spcBef>
+              <a:spcAft>
+                <a:spcPts val="800"/>
+              </a:spcAft>
+            </a:pPr>
+            <a:r>
+              <a:rPr lang="en-US" sz="1800" b="1" dirty="0">
+                <a:latin typeface="Times New Roman"/>
+                <a:ea typeface="Calibri"/>
+                <a:cs typeface="Times New Roman"/>
+              </a:rPr>
+              <a:t>Continuous Wave:</a:t>
+            </a:r>
+            <a:r>
+              <a:rPr lang="en-US" sz="1800" dirty="0">
+                <a:latin typeface="Times New Roman"/>
+                <a:ea typeface="Calibri"/>
+                <a:cs typeface="Times New Roman"/>
+              </a:rPr>
+              <a:t>  A signal with constant amplitude and frequency</a:t>
+            </a:r>
+            <a:r>
+              <a:rPr lang="en-US" sz="1800" dirty="0" smtClean="0">
+                <a:latin typeface="Times New Roman"/>
+                <a:ea typeface="Calibri"/>
+                <a:cs typeface="Times New Roman"/>
+              </a:rPr>
+              <a:t>.</a:t>
+            </a:r>
+          </a:p>
+          <a:p>
+            <a:pPr marL="0" marR="0" indent="0">
+              <a:lnSpc>
+                <a:spcPct val="107000"/>
+              </a:lnSpc>
+              <a:spcBef>
+                <a:spcPts val="0"/>
+              </a:spcBef>
+              <a:spcAft>
+                <a:spcPts val="800"/>
+              </a:spcAft>
+              <a:buNone/>
+            </a:pPr>
+            <a:endParaRPr lang="en-US" sz="1800" dirty="0">
+              <a:latin typeface="Calibri"/>
+              <a:ea typeface="Calibri"/>
+              <a:cs typeface="Times New Roman"/>
+            </a:endParaRPr>
+          </a:p>
+          <a:p>
+            <a:pPr marL="0" marR="0">
+              <a:lnSpc>
+                <a:spcPct val="107000"/>
+              </a:lnSpc>
+              <a:spcBef>
+                <a:spcPts val="0"/>
+              </a:spcBef>
+              <a:spcAft>
+                <a:spcPts val="800"/>
+              </a:spcAft>
+            </a:pPr>
+            <a:r>
+              <a:rPr lang="en-US" sz="1800" dirty="0">
+                <a:latin typeface="Times New Roman"/>
+                <a:ea typeface="Calibri"/>
+                <a:cs typeface="Times New Roman"/>
+              </a:rPr>
+              <a:t>Note: If multi-frequency jammers transmitted signals characterized by the same sweep period in each frequency band.  This </a:t>
+            </a:r>
+            <a:r>
+              <a:rPr lang="en-US" sz="1800" dirty="0" smtClean="0">
+                <a:latin typeface="Times New Roman"/>
+                <a:ea typeface="Calibri"/>
+                <a:cs typeface="Times New Roman"/>
+              </a:rPr>
+              <a:t>considers to be </a:t>
+            </a:r>
+            <a:r>
+              <a:rPr lang="en-US" sz="1800" dirty="0">
+                <a:latin typeface="Times New Roman"/>
+                <a:ea typeface="Calibri"/>
+                <a:cs typeface="Times New Roman"/>
+              </a:rPr>
+              <a:t>that a single local oscillator is used for the generation of all the signals.</a:t>
+            </a:r>
+            <a:endParaRPr lang="en-US" sz="1800" dirty="0">
+              <a:latin typeface="Calibri"/>
+              <a:ea typeface="Calibri"/>
+              <a:cs typeface="Times New Roman"/>
+            </a:endParaRPr>
+          </a:p>
+          <a:p>
+            <a:endParaRPr lang="en-US" dirty="0"/>
+          </a:p>
+        </p:txBody>
+      </p:sp>
+    </p:spTree>
+    <p:extLst>
+      <p:ext uri="{BB962C8B-B14F-4D97-AF65-F5344CB8AC3E}">
+        <p14:creationId xmlns:p14="http://schemas.microsoft.com/office/powerpoint/2010/main" val="377683128"/>
+      </p:ext>
+    </p:extLst>
+  </p:cSld>
+  <p:clrMapOvr>
+    <a:masterClrMapping/>
+  </p:clrMapOvr>
+  <p:timing>
+    <p:tnLst>
+      <p:par>
+        <p:cTn id="1" dur="indefinite" restart="never" nodeType="tmRoot"/>
+      </p:par>
+    </p:tnLst>
+  </p:timing>
+</p:sld>
+</file>
+
+<file path=ppt/slides/slide6.xml><?xml version="1.0" encoding="utf-8"?>
+<p:sld xmlns:a="http://schemas.openxmlformats.org/drawingml/2006/main" xmlns:r="http://schemas.openxmlformats.org/officeDocument/2006/relationships" xmlns:p="http://schemas.openxmlformats.org/presentationml/2006/main">
+  <p:cSld>
+    <p:spTree>
+      <p:nvGrpSpPr>
+        <p:cNvPr id="1" name=""/>
+        <p:cNvGrpSpPr/>
+        <p:nvPr/>
+      </p:nvGrpSpPr>
+      <p:grpSpPr>
+        <a:xfrm>
+          <a:off x="0" y="0"/>
+          <a:ext cx="0" cy="0"/>
+          <a:chOff x="0" y="0"/>
+          <a:chExt cx="0" cy="0"/>
+        </a:xfrm>
+      </p:grpSpPr>
+      <p:sp>
+        <p:nvSpPr>
+          <p:cNvPr id="2" name="Title 1"/>
+          <p:cNvSpPr>
+            <a:spLocks noGrp="1"/>
+          </p:cNvSpPr>
+          <p:nvPr>
+            <p:ph type="title"/>
+          </p:nvPr>
+        </p:nvSpPr>
+        <p:spPr/>
+        <p:txBody>
+          <a:bodyPr/>
+          <a:lstStyle/>
+          <a:p>
+            <a:r>
+              <a:rPr lang="en-US" dirty="0" smtClean="0"/>
+              <a:t>Detector Algorithm Design</a:t>
+            </a:r>
+            <a:endParaRPr lang="en-US" dirty="0"/>
+          </a:p>
+        </p:txBody>
+      </p:sp>
+      <p:sp>
+        <p:nvSpPr>
+          <p:cNvPr id="3" name="Content Placeholder 2"/>
+          <p:cNvSpPr>
+            <a:spLocks noGrp="1"/>
+          </p:cNvSpPr>
+          <p:nvPr>
+            <p:ph idx="1"/>
+          </p:nvPr>
+        </p:nvSpPr>
+        <p:spPr/>
+        <p:txBody>
+          <a:bodyPr/>
+          <a:lstStyle/>
+          <a:p>
+            <a:pPr>
+              <a:spcBef>
+                <a:spcPts val="0"/>
+              </a:spcBef>
+              <a:spcAft>
+                <a:spcPts val="1200"/>
+              </a:spcAft>
+            </a:pPr>
+            <a:r>
+              <a:rPr lang="en-US" dirty="0" smtClean="0"/>
+              <a:t>Trigger is used to start detector when threshold is crossed</a:t>
+            </a:r>
+          </a:p>
+          <a:p>
+            <a:pPr>
+              <a:spcBef>
+                <a:spcPts val="0"/>
+              </a:spcBef>
+              <a:spcAft>
+                <a:spcPts val="1200"/>
+              </a:spcAft>
+            </a:pPr>
+            <a:r>
+              <a:rPr lang="en-US" dirty="0" smtClean="0"/>
+              <a:t>Wide RBW FFTs allow the user to see single peak frequencies</a:t>
+            </a:r>
+          </a:p>
+          <a:p>
+            <a:pPr>
+              <a:spcBef>
+                <a:spcPts val="0"/>
+              </a:spcBef>
+              <a:spcAft>
+                <a:spcPts val="1200"/>
+              </a:spcAft>
+            </a:pPr>
+            <a:r>
+              <a:rPr lang="en-US" dirty="0" smtClean="0"/>
+              <a:t>Peak frequencies can be tracked over time to measure chirp rate and bandwidth</a:t>
+            </a:r>
+          </a:p>
+          <a:p>
+            <a:pPr>
+              <a:spcBef>
+                <a:spcPts val="0"/>
+              </a:spcBef>
+              <a:spcAft>
+                <a:spcPts val="1200"/>
+              </a:spcAft>
+            </a:pPr>
+            <a:r>
+              <a:rPr lang="en-US" dirty="0" smtClean="0"/>
+              <a:t>Signal can be auto correlated with a predicted signal</a:t>
+            </a:r>
+          </a:p>
+          <a:p>
+            <a:pPr>
+              <a:spcBef>
+                <a:spcPts val="0"/>
+              </a:spcBef>
+              <a:spcAft>
+                <a:spcPts val="1200"/>
+              </a:spcAft>
+            </a:pPr>
+            <a:r>
+              <a:rPr lang="en-US" dirty="0" smtClean="0"/>
+              <a:t>If auto correlated signal is used to determine jamming</a:t>
+            </a:r>
+          </a:p>
+        </p:txBody>
+      </p:sp>
+    </p:spTree>
+    <p:extLst>
+      <p:ext uri="{BB962C8B-B14F-4D97-AF65-F5344CB8AC3E}">
+        <p14:creationId xmlns:p14="http://schemas.microsoft.com/office/powerpoint/2010/main" val="2472734450"/>
+      </p:ext>
+    </p:extLst>
+  </p:cSld>
+  <p:clrMapOvr>
+    <a:masterClrMapping/>
+  </p:clrMapOvr>
+  <p:timing>
+    <p:tnLst>
+      <p:par>
+        <p:cTn id="1" dur="indefinite" restart="never" nodeType="tmRoot"/>
+      </p:par>
+    </p:tnLst>
+  </p:timing>
+</p:sld>
+</file>
+
+<file path=ppt/slides/slide7.xml><?xml version="1.0" encoding="utf-8"?>
+<p:sld xmlns:a="http://schemas.openxmlformats.org/drawingml/2006/main" xmlns:r="http://schemas.openxmlformats.org/officeDocument/2006/relationships" xmlns:p="http://schemas.openxmlformats.org/presentationml/2006/main">
+  <p:cSld>
+    <p:spTree>
+      <p:nvGrpSpPr>
+        <p:cNvPr id="1" name=""/>
+        <p:cNvGrpSpPr/>
+        <p:nvPr/>
+      </p:nvGrpSpPr>
+      <p:grpSpPr>
+        <a:xfrm>
+          <a:off x="0" y="0"/>
+          <a:ext cx="0" cy="0"/>
+          <a:chOff x="0" y="0"/>
+          <a:chExt cx="0" cy="0"/>
+        </a:xfrm>
+      </p:grpSpPr>
+      <p:sp>
+        <p:nvSpPr>
+          <p:cNvPr id="2" name="Title 1"/>
+          <p:cNvSpPr>
+            <a:spLocks noGrp="1"/>
+          </p:cNvSpPr>
+          <p:nvPr>
+            <p:ph type="title"/>
+          </p:nvPr>
+        </p:nvSpPr>
+        <p:spPr/>
+        <p:txBody>
+          <a:bodyPr/>
+          <a:lstStyle/>
+          <a:p>
+            <a:r>
+              <a:rPr lang="en-US" dirty="0" smtClean="0"/>
+              <a:t>Reading the Jammer Captures into MatLab</a:t>
+            </a:r>
+            <a:endParaRPr lang="en-US" dirty="0"/>
+          </a:p>
+        </p:txBody>
+      </p:sp>
+      <p:sp>
+        <p:nvSpPr>
+          <p:cNvPr id="3" name="Content Placeholder 2"/>
+          <p:cNvSpPr>
+            <a:spLocks noGrp="1"/>
+          </p:cNvSpPr>
+          <p:nvPr>
+            <p:ph idx="1"/>
+          </p:nvPr>
+        </p:nvSpPr>
+        <p:spPr>
+          <a:xfrm>
+            <a:off x="2628900" y="1409131"/>
+            <a:ext cx="4914900" cy="2133600"/>
+          </a:xfrm>
+        </p:spPr>
+        <p:txBody>
+          <a:bodyPr/>
+          <a:lstStyle/>
+          <a:p>
+            <a:pPr>
+              <a:lnSpc>
+                <a:spcPct val="150000"/>
+              </a:lnSpc>
+              <a:spcBef>
+                <a:spcPts val="0"/>
+              </a:spcBef>
+            </a:pPr>
+            <a:r>
+              <a:rPr lang="en-US" dirty="0" smtClean="0"/>
+              <a:t>Metadata is read from the XML file</a:t>
+            </a:r>
+          </a:p>
+          <a:p>
+            <a:pPr>
+              <a:lnSpc>
+                <a:spcPct val="150000"/>
+              </a:lnSpc>
+              <a:spcBef>
+                <a:spcPts val="0"/>
+              </a:spcBef>
+            </a:pPr>
+            <a:r>
+              <a:rPr lang="en-US" dirty="0" smtClean="0"/>
+              <a:t>IQ data is read into a matrix</a:t>
+            </a:r>
+          </a:p>
+          <a:p>
+            <a:pPr>
+              <a:lnSpc>
+                <a:spcPct val="150000"/>
+              </a:lnSpc>
+              <a:spcBef>
+                <a:spcPts val="0"/>
+              </a:spcBef>
+            </a:pPr>
+            <a:r>
+              <a:rPr lang="en-US" dirty="0" smtClean="0"/>
+              <a:t>Data is transformed and plotted in frequency domain</a:t>
+            </a:r>
+          </a:p>
+        </p:txBody>
+      </p:sp>
+      <p:pic>
+        <p:nvPicPr>
+          <p:cNvPr id="6" name="Picture 5"/>
+          <p:cNvPicPr>
+            <a:picLocks noChangeAspect="1"/>
+          </p:cNvPicPr>
+          <p:nvPr/>
+        </p:nvPicPr>
+        <p:blipFill>
+          <a:blip r:embed="rId2">
+            <a:extLst>
+              <a:ext uri="{28A0092B-C50C-407E-A947-70E740481C1C}">
+                <a14:useLocalDpi xmlns:a14="http://schemas.microsoft.com/office/drawing/2010/main" val="0"/>
+              </a:ext>
+            </a:extLst>
+          </a:blip>
+          <a:stretch>
+            <a:fillRect/>
+          </a:stretch>
+        </p:blipFill>
+        <p:spPr>
+          <a:xfrm>
+            <a:off x="2457450" y="3640891"/>
+            <a:ext cx="5086350" cy="2912086"/>
+          </a:xfrm>
+          <a:prstGeom prst="rect">
+            <a:avLst/>
+          </a:prstGeom>
+        </p:spPr>
+      </p:pic>
+    </p:spTree>
+    <p:extLst>
+      <p:ext uri="{BB962C8B-B14F-4D97-AF65-F5344CB8AC3E}">
+        <p14:creationId xmlns:p14="http://schemas.microsoft.com/office/powerpoint/2010/main" val="1025301850"/>
+      </p:ext>
+    </p:extLst>
+  </p:cSld>
+  <p:clrMapOvr>
+    <a:masterClrMapping/>
+  </p:clrMapOvr>
+  <p:timing>
+    <p:tnLst>
+      <p:par>
+        <p:cTn id="1" dur="indefinite" restart="never" nodeType="tmRoot"/>
+      </p:par>
+    </p:tnLst>
+  </p:timing>
+</p:sld>
+</file>
+
 <file path=ppt/slides/slide8.xml><?xml version="1.0" encoding="utf-8"?>
 <p:sld xmlns:a="http://schemas.openxmlformats.org/drawingml/2006/main" xmlns:r="http://schemas.openxmlformats.org/officeDocument/2006/relationships" xmlns:p="http://schemas.openxmlformats.org/presentationml/2006/main">
   <p:cSld>
@@ -5387,9 +6090,9 @@
       </p:grpSpPr>
       <p:sp>
         <p:nvSpPr>
-          <p:cNvPr id="24578" name="Rectangle 2"/>
-          <p:cNvSpPr>
-            <a:spLocks noGrp="1" noChangeArrowheads="1"/>
+          <p:cNvPr id="2" name="Title 1"/>
+          <p:cNvSpPr>
+            <a:spLocks noGrp="1"/>
           </p:cNvSpPr>
           <p:nvPr>
             <p:ph type="title"/>
@@ -5401,95 +6104,65 @@
           <a:lstStyle/>
           <a:p>
             <a:r>
-              <a:rPr lang="en-US"/>
-              <a:t>Technology</a:t>
-            </a:r>
-          </a:p>
-        </p:txBody>
-      </p:sp>
-      <p:sp>
-        <p:nvSpPr>
-          <p:cNvPr id="24579" name="Rectangle 3"/>
-          <p:cNvSpPr>
-            <a:spLocks noGrp="1" noChangeArrowheads="1"/>
-          </p:cNvSpPr>
-          <p:nvPr>
-            <p:ph type="body" idx="1"/>
-          </p:nvPr>
-        </p:nvSpPr>
-        <p:spPr/>
+              <a:rPr lang="en-US" dirty="0" smtClean="0"/>
+              <a:t>Chirp and CW Detectors	</a:t>
+            </a:r>
+            <a:endParaRPr lang="en-US" dirty="0"/>
+          </a:p>
+        </p:txBody>
+      </p:sp>
+      <p:sp>
+        <p:nvSpPr>
+          <p:cNvPr id="3" name="Content Placeholder 2"/>
+          <p:cNvSpPr>
+            <a:spLocks noGrp="1"/>
+          </p:cNvSpPr>
+          <p:nvPr>
+            <p:ph idx="1"/>
+          </p:nvPr>
+        </p:nvSpPr>
+        <p:spPr>
+          <a:xfrm>
+            <a:off x="2857500" y="1371600"/>
+            <a:ext cx="4686300" cy="4953000"/>
+          </a:xfrm>
+        </p:spPr>
         <p:txBody>
           <a:bodyPr/>
           <a:lstStyle/>
           <a:p>
-            <a:pPr>
-              <a:lnSpc>
-                <a:spcPct val="90000"/>
-              </a:lnSpc>
-            </a:pPr>
-            <a:r>
-              <a:rPr lang="en-US"/>
-              <a:t>List technical problems that have been solved</a:t>
-            </a:r>
-          </a:p>
-          <a:p>
-            <a:pPr>
-              <a:lnSpc>
-                <a:spcPct val="90000"/>
-              </a:lnSpc>
-            </a:pPr>
-            <a:r>
-              <a:rPr lang="en-US"/>
-              <a:t>List outstanding technical issues that need to be solved</a:t>
-            </a:r>
-          </a:p>
-          <a:p>
-            <a:pPr lvl="1">
-              <a:lnSpc>
-                <a:spcPct val="90000"/>
-              </a:lnSpc>
-            </a:pPr>
-            <a:r>
-              <a:rPr lang="en-US"/>
-              <a:t>Summarize their impact on the project</a:t>
-            </a:r>
-          </a:p>
-          <a:p>
-            <a:pPr>
-              <a:lnSpc>
-                <a:spcPct val="90000"/>
-              </a:lnSpc>
-            </a:pPr>
-            <a:r>
-              <a:rPr lang="en-US"/>
-              <a:t>List any dubious technological dependencies for project</a:t>
-            </a:r>
-          </a:p>
-          <a:p>
-            <a:pPr lvl="1">
-              <a:lnSpc>
-                <a:spcPct val="90000"/>
-              </a:lnSpc>
-            </a:pPr>
-            <a:r>
-              <a:rPr lang="en-US"/>
-              <a:t>Indicate source of doubt</a:t>
-            </a:r>
-          </a:p>
-          <a:p>
-            <a:pPr lvl="1">
-              <a:lnSpc>
-                <a:spcPct val="90000"/>
-              </a:lnSpc>
-            </a:pPr>
-            <a:r>
-              <a:rPr lang="en-US"/>
-              <a:t>Summarize action being taken or back up plan</a:t>
-            </a:r>
+            <a:r>
+              <a:rPr lang="en-US" dirty="0" smtClean="0"/>
+              <a:t>The detector algorithm is triggered if it detects a peak above -50dBm </a:t>
+            </a:r>
+          </a:p>
+          <a:p>
+            <a:r>
+              <a:rPr lang="en-US" dirty="0" smtClean="0"/>
+              <a:t>Jammer bandwidth is calculated by recording the max and min frequency over time</a:t>
+            </a:r>
+          </a:p>
+          <a:p>
+            <a:r>
+              <a:rPr lang="en-US" dirty="0" smtClean="0"/>
+              <a:t>Chirp rate is calculated by computing an FFT of the frequency vs. time data</a:t>
+            </a:r>
+          </a:p>
+          <a:p>
+            <a:r>
+              <a:rPr lang="en-US" dirty="0" smtClean="0"/>
+              <a:t>If chirp BW is sufficiently small, we can assume it’s a CW signal</a:t>
+            </a:r>
+            <a:endParaRPr lang="en-US" dirty="0"/>
           </a:p>
         </p:txBody>
       </p:sp>
     </p:spTree>
+    <p:extLst>
+      <p:ext uri="{BB962C8B-B14F-4D97-AF65-F5344CB8AC3E}">
+        <p14:creationId xmlns:p14="http://schemas.microsoft.com/office/powerpoint/2010/main" val="2290530082"/>
+      </p:ext>
+    </p:extLst>
   </p:cSld>
   <p:clrMapOvr>
     <a:masterClrMapping/>
@@ -5523,9 +6196,9 @@
       </p:grpSpPr>
       <p:sp>
         <p:nvSpPr>
-          <p:cNvPr id="25602" name="Rectangle 2"/>
-          <p:cNvSpPr>
-            <a:spLocks noGrp="1" noChangeArrowheads="1"/>
+          <p:cNvPr id="2" name="Title 1"/>
+          <p:cNvSpPr>
+            <a:spLocks noGrp="1"/>
           </p:cNvSpPr>
           <p:nvPr>
             <p:ph type="title"/>
@@ -5537,20 +6210,21 @@
           <a:lstStyle/>
           <a:p>
             <a:r>
-              <a:rPr lang="en-US"/>
-              <a:t>Resources</a:t>
-            </a:r>
-          </a:p>
-        </p:txBody>
-      </p:sp>
-      <p:sp>
-        <p:nvSpPr>
-          <p:cNvPr id="25603" name="Rectangle 3"/>
-          <p:cNvSpPr>
-            <a:spLocks noGrp="1" noChangeArrowheads="1"/>
-          </p:cNvSpPr>
-          <p:nvPr>
-            <p:ph type="body" idx="1"/>
+              <a:rPr lang="en-US" dirty="0" smtClean="0"/>
+              <a:t>Attenuator Program</a:t>
+            </a:r>
+            <a:endParaRPr lang="en-US" dirty="0"/>
+          </a:p>
+        </p:txBody>
+      </p:sp>
+      <p:sp>
+        <p:nvSpPr>
+          <p:cNvPr id="3" name="Content Placeholder 2"/>
+          <p:cNvSpPr>
+            <a:spLocks noGrp="1"/>
+          </p:cNvSpPr>
+          <p:nvPr>
+            <p:ph idx="1"/>
           </p:nvPr>
         </p:nvSpPr>
         <p:spPr/>
@@ -5559,40 +6233,33 @@
           <a:lstStyle/>
           <a:p>
             <a:r>
-              <a:rPr lang="en-US"/>
-              <a:t>Summarize project resources</a:t>
-            </a:r>
-          </a:p>
-          <a:p>
-            <a:pPr lvl="1"/>
-            <a:r>
-              <a:rPr lang="en-US"/>
-              <a:t>Dedicated (full-time) resources</a:t>
-            </a:r>
-          </a:p>
-          <a:p>
-            <a:pPr lvl="1"/>
-            <a:r>
-              <a:rPr lang="en-US"/>
-              <a:t>Part-time resources</a:t>
-            </a:r>
-          </a:p>
-          <a:p>
-            <a:pPr lvl="1"/>
-            <a:r>
-              <a:rPr lang="en-US"/>
-              <a:t>If project is constrained by lack of resources, suggest alternatives</a:t>
-            </a:r>
-          </a:p>
-          <a:p>
-            <a:r>
-              <a:rPr lang="en-US"/>
-              <a:t>Understand that customers may want to be assured that all possible resources are being used, but in such a way that costs will be properly managed</a:t>
-            </a:r>
+              <a:rPr lang="en-US" dirty="0" smtClean="0"/>
+              <a:t>Inputs float 32 file</a:t>
+            </a:r>
+          </a:p>
+          <a:p>
+            <a:r>
+              <a:rPr lang="en-US" dirty="0" smtClean="0"/>
+              <a:t>Requests an amount to attenuate the program by in dBm</a:t>
+            </a:r>
+          </a:p>
+          <a:p>
+            <a:r>
+              <a:rPr lang="en-US" dirty="0" smtClean="0"/>
+              <a:t>Saves attenuated matrix as float 32</a:t>
+            </a:r>
+          </a:p>
+          <a:p>
+            <a:endParaRPr lang="en-US" dirty="0" smtClean="0"/>
           </a:p>
         </p:txBody>
       </p:sp>
     </p:spTree>
+    <p:extLst>
+      <p:ext uri="{BB962C8B-B14F-4D97-AF65-F5344CB8AC3E}">
+        <p14:creationId xmlns:p14="http://schemas.microsoft.com/office/powerpoint/2010/main" val="3488417488"/>
+      </p:ext>
+    </p:extLst>
   </p:cSld>
   <p:clrMapOvr>
     <a:masterClrMapping/>
